--- a/VikiTeleBot.pptx
+++ b/VikiTeleBot.pptx
@@ -2958,7 +2958,7 @@
           <a:p>
             <a:r>
               <a:rPr lang="en-US" altLang="ru-RU" dirty="0" smtClean="0"/>
-              <a:t>VikiBot</a:t>
+              <a:t>FandomBot</a:t>
             </a:r>
             <a:endParaRPr lang="en-US" altLang="ru-RU" dirty="0" smtClean="0"/>
           </a:p>
@@ -3568,6 +3568,21 @@
             </a:r>
             <a:endParaRPr lang="en-US" altLang="ru-RU"/>
           </a:p>
+          <a:p>
+            <a:pPr marL="285750" indent="-285750" algn="just">
+              <a:buFont typeface="Arial" panose="020B0604020202020204" pitchFamily="34" charset="0"/>
+              <a:buChar char="•"/>
+            </a:pPr>
+            <a:r>
+              <a:rPr lang="en-US" altLang="ru-RU"/>
+              <a:t>/help - </a:t>
+            </a:r>
+            <a:r>
+              <a:rPr lang="ru-RU" altLang="ru-RU"/>
+              <a:t>выводит информацию о боте</a:t>
+            </a:r>
+            <a:endParaRPr lang="ru-RU" altLang="ru-RU"/>
+          </a:p>
         </p:txBody>
       </p:sp>
     </p:spTree>
@@ -3631,7 +3646,7 @@
         </p:nvSpPr>
         <p:spPr>
           <a:xfrm>
-            <a:off x="280670" y="2127885"/>
+            <a:off x="368300" y="2127885"/>
             <a:ext cx="11752580" cy="4266565"/>
           </a:xfrm>
           <a:prstGeom prst="rect">
@@ -4012,7 +4027,7 @@
           <a:p>
             <a:r>
               <a:rPr lang="ru-RU" altLang="ru-RU"/>
-              <a:t>сыылка на любую из 10 игр</a:t>
+              <a:t>сылка на любую из 10 игр</a:t>
             </a:r>
             <a:endParaRPr lang="ru-RU" altLang="ru-RU"/>
           </a:p>
@@ -4245,6 +4260,71 @@
           </a:fontRef>
         </p:style>
       </p:cxnSp>
+      <p:cxnSp>
+        <p:nvCxnSpPr>
+          <p:cNvPr id="4" name="Прямая со стрелкой 3"/>
+          <p:cNvCxnSpPr/>
+          <p:nvPr/>
+        </p:nvCxnSpPr>
+        <p:spPr>
+          <a:xfrm>
+            <a:off x="1021080" y="4211955"/>
+            <a:ext cx="2393950" cy="505460"/>
+          </a:xfrm>
+          <a:prstGeom prst="straightConnector1">
+            <a:avLst/>
+          </a:prstGeom>
+          <a:ln>
+            <a:solidFill>
+              <a:schemeClr val="tx1"/>
+            </a:solidFill>
+            <a:tailEnd type="arrow"/>
+          </a:ln>
+        </p:spPr>
+        <p:style>
+          <a:lnRef idx="2">
+            <a:schemeClr val="accent1"/>
+          </a:lnRef>
+          <a:fillRef idx="0">
+            <a:srgbClr val="FFFFFF"/>
+          </a:fillRef>
+          <a:effectRef idx="0">
+            <a:srgbClr val="FFFFFF"/>
+          </a:effectRef>
+          <a:fontRef idx="minor">
+            <a:schemeClr val="tx1"/>
+          </a:fontRef>
+        </p:style>
+      </p:cxnSp>
+      <p:sp>
+        <p:nvSpPr>
+          <p:cNvPr id="5" name="Текстовое поле 4"/>
+          <p:cNvSpPr txBox="1"/>
+          <p:nvPr/>
+        </p:nvSpPr>
+        <p:spPr>
+          <a:xfrm>
+            <a:off x="3347085" y="4548505"/>
+            <a:ext cx="1430655" cy="368300"/>
+          </a:xfrm>
+          <a:prstGeom prst="rect">
+            <a:avLst/>
+          </a:prstGeom>
+          <a:noFill/>
+        </p:spPr>
+        <p:txBody>
+          <a:bodyPr wrap="square" rtlCol="0">
+            <a:spAutoFit/>
+          </a:bodyPr>
+          <a:p>
+            <a:r>
+              <a:rPr lang="en-US" altLang="en-US"/>
+              <a:t>/help</a:t>
+            </a:r>
+            <a:endParaRPr lang="en-US" altLang="en-US"/>
+          </a:p>
+        </p:txBody>
+      </p:sp>
     </p:spTree>
   </p:cSld>
   <p:clrMapOvr>
